--- a/WebContent/Jin/ppt/Jin 최종.pptx
+++ b/WebContent/Jin/ppt/Jin 최종.pptx
@@ -12260,11 +12260,7 @@
           <a:p>
             <a:r>
               <a:rPr lang="en-US" altLang="ko-KR" sz="1400" dirty="0" smtClean="0"/>
-              <a:t>3. </a:t>
-            </a:r>
-            <a:r>
-              <a:rPr lang="en-US" altLang="ko-KR" sz="1400" dirty="0" smtClean="0"/>
-              <a:t>Cancel</a:t>
+              <a:t>3. Cancel</a:t>
             </a:r>
           </a:p>
           <a:p>
@@ -12612,7 +12608,7 @@
         </p:nvGrpSpPr>
         <p:grpSpPr>
           <a:xfrm>
-            <a:off x="196817" y="623848"/>
+            <a:off x="401098" y="896222"/>
             <a:ext cx="3882678" cy="5134927"/>
             <a:chOff x="193212" y="769762"/>
             <a:chExt cx="3882678" cy="5134927"/>
@@ -12794,7 +12790,7 @@
         </p:nvSpPr>
         <p:spPr>
           <a:xfrm>
-            <a:off x="5135916" y="717448"/>
+            <a:off x="5340197" y="989822"/>
             <a:ext cx="2650089" cy="1138773"/>
           </a:xfrm>
           <a:prstGeom prst="rect">
@@ -12821,29 +12817,8 @@
                   <a:srgbClr val="FF0000"/>
                 </a:solidFill>
               </a:rPr>
-              <a:t>&lt;View </a:t>
-            </a:r>
-            <a:r>
-              <a:rPr lang="en-US" altLang="ko-KR" sz="1200" b="1" dirty="0" smtClean="0">
-                <a:solidFill>
-                  <a:srgbClr val="FF0000"/>
-                </a:solidFill>
-              </a:rPr>
-              <a:t>Vue.js</a:t>
-            </a:r>
-            <a:r>
-              <a:rPr lang="en-US" altLang="ko-KR" sz="1200" b="1" dirty="0" smtClean="0">
-                <a:solidFill>
-                  <a:srgbClr val="FF0000"/>
-                </a:solidFill>
-              </a:rPr>
-              <a:t>&gt;</a:t>
-            </a:r>
-            <a:endParaRPr lang="en-US" altLang="ko-KR" sz="1200" b="1" dirty="0" smtClean="0">
-              <a:solidFill>
-                <a:srgbClr val="FF0000"/>
-              </a:solidFill>
-            </a:endParaRPr>
+              <a:t>&lt;View Vue.js&gt;</a:t>
+            </a:r>
           </a:p>
           <a:p>
             <a:r>
@@ -12920,7 +12895,7 @@
         </p:nvSpPr>
         <p:spPr>
           <a:xfrm>
-            <a:off x="4677281" y="2053281"/>
+            <a:off x="4881562" y="2325655"/>
             <a:ext cx="3799425" cy="1785104"/>
           </a:xfrm>
           <a:prstGeom prst="rect">
@@ -12947,23 +12922,7 @@
                   <a:srgbClr val="FF0000"/>
                 </a:solidFill>
               </a:rPr>
-              <a:t>&lt;View </a:t>
-            </a:r>
-            <a:r>
-              <a:rPr lang="en-US" altLang="ko-KR" sz="1200" b="1" dirty="0" smtClean="0">
-                <a:solidFill>
-                  <a:srgbClr val="FF0000"/>
-                </a:solidFill>
-              </a:rPr>
-              <a:t>Vue.js</a:t>
-            </a:r>
-            <a:r>
-              <a:rPr lang="en-US" altLang="ko-KR" sz="1200" b="1" dirty="0" smtClean="0">
-                <a:solidFill>
-                  <a:srgbClr val="FF0000"/>
-                </a:solidFill>
-              </a:rPr>
-              <a:t>&gt;</a:t>
+              <a:t>&lt;View Vue.js&gt;</a:t>
             </a:r>
           </a:p>
           <a:p>
@@ -13071,7 +13030,6 @@
               <a:rPr lang="en-US" altLang="ko-KR" sz="1400" dirty="0" smtClean="0"/>
               <a:t>&gt;  </a:t>
             </a:r>
-            <a:endParaRPr lang="en-US" altLang="ko-KR" sz="1400" dirty="0" smtClean="0"/>
           </a:p>
         </p:txBody>
       </p:sp>
@@ -13083,7 +13041,7 @@
         </p:nvCxnSpPr>
         <p:spPr>
           <a:xfrm>
-            <a:off x="4079495" y="2181606"/>
+            <a:off x="4283776" y="2453980"/>
             <a:ext cx="597786" cy="770913"/>
           </a:xfrm>
           <a:prstGeom prst="straightConnector1">
@@ -13121,7 +13079,7 @@
         </p:nvCxnSpPr>
         <p:spPr>
           <a:xfrm flipV="1">
-            <a:off x="4077959" y="1286835"/>
+            <a:off x="4282240" y="1559209"/>
             <a:ext cx="1057957" cy="899238"/>
           </a:xfrm>
           <a:prstGeom prst="straightConnector1">
@@ -13157,7 +13115,7 @@
         </p:nvSpPr>
         <p:spPr>
           <a:xfrm>
-            <a:off x="4677280" y="3988746"/>
+            <a:off x="4881561" y="4261120"/>
             <a:ext cx="3799425" cy="1384995"/>
           </a:xfrm>
           <a:prstGeom prst="rect">
@@ -25173,15 +25131,7 @@
             </a:r>
             <a:r>
               <a:rPr lang="en-US" altLang="ko-KR" sz="1200" dirty="0" smtClean="0"/>
-              <a:t>        </a:t>
-            </a:r>
-            <a:r>
-              <a:rPr lang="en-US" altLang="ko-KR" sz="1200" dirty="0" smtClean="0"/>
-              <a:t>class</a:t>
-            </a:r>
-            <a:r>
-              <a:rPr lang="en-US" altLang="ko-KR" sz="1200" dirty="0" smtClean="0"/>
-              <a:t>="</a:t>
+              <a:t>        class="</a:t>
             </a:r>
             <a:r>
               <a:rPr lang="en-US" altLang="ko-KR" sz="1200" dirty="0" err="1" smtClean="0"/>

--- a/WebContent/Jin/ppt/Jin 최종.pptx
+++ b/WebContent/Jin/ppt/Jin 최종.pptx
@@ -19288,7 +19288,20 @@
                 <a:latin typeface="타이포_스톰 B" panose="02020503020101020101" pitchFamily="18" charset="-127"/>
                 <a:ea typeface="타이포_스톰 B" panose="02020503020101020101" pitchFamily="18" charset="-127"/>
               </a:rPr>
-              <a:t>Sweet Alert</a:t>
+              <a:t>Sweet </a:t>
+            </a:r>
+            <a:r>
+              <a:rPr lang="en-US" altLang="ko-KR" sz="2000" dirty="0" smtClean="0">
+                <a:solidFill>
+                  <a:prstClr val="black">
+                    <a:lumMod val="75000"/>
+                    <a:lumOff val="25000"/>
+                  </a:prstClr>
+                </a:solidFill>
+                <a:latin typeface="타이포_스톰 B" panose="02020503020101020101" pitchFamily="18" charset="-127"/>
+                <a:ea typeface="타이포_스톰 B" panose="02020503020101020101" pitchFamily="18" charset="-127"/>
+              </a:rPr>
+              <a:t>Alert2</a:t>
             </a:r>
             <a:endParaRPr lang="ko-KR" altLang="en-US" sz="2000" dirty="0">
               <a:solidFill>
@@ -19311,7 +19324,7 @@
         </p:nvSpPr>
         <p:spPr>
           <a:xfrm>
-            <a:off x="573931" y="1469951"/>
+            <a:off x="550202" y="1280163"/>
             <a:ext cx="7966953" cy="1405513"/>
           </a:xfrm>
           <a:prstGeom prst="rect">
@@ -19330,8 +19343,19 @@
                 <a:latin typeface="나눔스퀘어_ac Bold" panose="020B0600000101010101" pitchFamily="50" charset="-127"/>
                 <a:ea typeface="나눔스퀘어_ac Bold" panose="020B0600000101010101" pitchFamily="50" charset="-127"/>
               </a:rPr>
-              <a:t>Sweet Alert</a:t>
-            </a:r>
+              <a:t>Sweet </a:t>
+            </a:r>
+            <a:r>
+              <a:rPr lang="en-US" altLang="ko-KR" sz="2000" dirty="0" smtClean="0">
+                <a:latin typeface="나눔스퀘어_ac Bold" panose="020B0600000101010101" pitchFamily="50" charset="-127"/>
+                <a:ea typeface="나눔스퀘어_ac Bold" panose="020B0600000101010101" pitchFamily="50" charset="-127"/>
+              </a:rPr>
+              <a:t>Alert2</a:t>
+            </a:r>
+            <a:endParaRPr lang="en-US" altLang="ko-KR" sz="2000" dirty="0" smtClean="0">
+              <a:latin typeface="나눔스퀘어_ac Bold" panose="020B0600000101010101" pitchFamily="50" charset="-127"/>
+              <a:ea typeface="나눔스퀘어_ac Bold" panose="020B0600000101010101" pitchFamily="50" charset="-127"/>
+            </a:endParaRPr>
           </a:p>
           <a:p>
             <a:pPr marL="0" lvl="1">
@@ -19577,7 +19601,7 @@
         </p:nvSpPr>
         <p:spPr>
           <a:xfrm>
-            <a:off x="573930" y="3305193"/>
+            <a:off x="550201" y="2763224"/>
             <a:ext cx="7966953" cy="646331"/>
           </a:xfrm>
           <a:prstGeom prst="rect">
@@ -19648,10 +19672,10 @@
         </p:nvGrpSpPr>
         <p:grpSpPr>
           <a:xfrm>
-            <a:off x="945807" y="4074782"/>
-            <a:ext cx="3009900" cy="2182763"/>
-            <a:chOff x="1052812" y="3958127"/>
-            <a:chExt cx="3009900" cy="2182763"/>
+            <a:off x="4084410" y="3351587"/>
+            <a:ext cx="2487521" cy="1823302"/>
+            <a:chOff x="1052812" y="3934694"/>
+            <a:chExt cx="3009900" cy="2206196"/>
           </a:xfrm>
         </p:grpSpPr>
         <p:grpSp>
@@ -19738,8 +19762,8 @@
           </p:nvSpPr>
           <p:spPr>
             <a:xfrm>
-              <a:off x="2222157" y="3958127"/>
-              <a:ext cx="671209" cy="378151"/>
+              <a:off x="2171462" y="3934694"/>
+              <a:ext cx="772596" cy="446892"/>
             </a:xfrm>
             <a:prstGeom prst="rect">
               <a:avLst/>
@@ -19761,6 +19785,246 @@
           </p:txBody>
         </p:sp>
       </p:grpSp>
+      <p:sp>
+        <p:nvSpPr>
+          <p:cNvPr id="20" name="직사각형 19"/>
+          <p:cNvSpPr/>
+          <p:nvPr/>
+        </p:nvSpPr>
+        <p:spPr>
+          <a:xfrm>
+            <a:off x="634574" y="3634303"/>
+            <a:ext cx="3191287" cy="2369880"/>
+          </a:xfrm>
+          <a:prstGeom prst="rect">
+            <a:avLst/>
+          </a:prstGeom>
+          <a:solidFill>
+            <a:schemeClr val="bg1"/>
+          </a:solidFill>
+          <a:ln w="15875">
+            <a:solidFill>
+              <a:srgbClr val="FF0000"/>
+            </a:solidFill>
+          </a:ln>
+        </p:spPr>
+        <p:txBody>
+          <a:bodyPr wrap="square">
+            <a:spAutoFit/>
+          </a:bodyPr>
+          <a:lstStyle/>
+          <a:p>
+            <a:r>
+              <a:rPr lang="en-US" altLang="ko-KR" sz="1600" b="1" dirty="0" smtClean="0">
+                <a:solidFill>
+                  <a:srgbClr val="FF0000"/>
+                </a:solidFill>
+              </a:rPr>
+              <a:t>&lt;Sweet Alert2 - Confirm&gt;</a:t>
+            </a:r>
+            <a:endParaRPr lang="en-US" altLang="ko-KR" sz="1600" b="1" dirty="0" smtClean="0">
+              <a:solidFill>
+                <a:srgbClr val="FF0000"/>
+              </a:solidFill>
+            </a:endParaRPr>
+          </a:p>
+          <a:p>
+            <a:r>
+              <a:rPr lang="en-US" altLang="ko-KR" sz="1200" dirty="0" err="1"/>
+              <a:t>Swal.fire</a:t>
+            </a:r>
+            <a:r>
+              <a:rPr lang="en-US" altLang="ko-KR" sz="1200" dirty="0"/>
+              <a:t>({</a:t>
+            </a:r>
+          </a:p>
+          <a:p>
+            <a:r>
+              <a:rPr lang="en-US" altLang="ko-KR" sz="1200" dirty="0" smtClean="0"/>
+              <a:t>   title</a:t>
+            </a:r>
+            <a:r>
+              <a:rPr lang="en-US" altLang="ko-KR" sz="1200" dirty="0"/>
+              <a:t>:'</a:t>
+            </a:r>
+            <a:r>
+              <a:rPr lang="ko-KR" altLang="en-US" sz="1200" dirty="0"/>
+              <a:t>로그아웃 </a:t>
+            </a:r>
+            <a:r>
+              <a:rPr lang="en-US" altLang="ko-KR" sz="1200" dirty="0"/>
+              <a:t>',</a:t>
+            </a:r>
+          </a:p>
+          <a:p>
+            <a:r>
+              <a:rPr lang="en-US" altLang="ko-KR" sz="1200" dirty="0" smtClean="0"/>
+              <a:t>   text</a:t>
+            </a:r>
+            <a:r>
+              <a:rPr lang="en-US" altLang="ko-KR" sz="1200" dirty="0"/>
+              <a:t>:"</a:t>
+            </a:r>
+            <a:r>
+              <a:rPr lang="ko-KR" altLang="en-US" sz="1200" dirty="0"/>
+              <a:t>로그아웃 하시겠습니까</a:t>
+            </a:r>
+            <a:r>
+              <a:rPr lang="en-US" altLang="ko-KR" sz="1200" dirty="0"/>
+              <a:t>?",</a:t>
+            </a:r>
+          </a:p>
+          <a:p>
+            <a:r>
+              <a:rPr lang="en-US" altLang="ko-KR" sz="1200" dirty="0" smtClean="0"/>
+              <a:t>   icon</a:t>
+            </a:r>
+            <a:r>
+              <a:rPr lang="en-US" altLang="ko-KR" sz="1200" dirty="0"/>
+              <a:t>: 'info',</a:t>
+            </a:r>
+          </a:p>
+          <a:p>
+            <a:r>
+              <a:rPr lang="en-US" altLang="ko-KR" sz="1200" dirty="0" smtClean="0"/>
+              <a:t>   </a:t>
+            </a:r>
+            <a:r>
+              <a:rPr lang="en-US" altLang="ko-KR" sz="1200" dirty="0" err="1" smtClean="0"/>
+              <a:t>showCancelButton</a:t>
+            </a:r>
+            <a:r>
+              <a:rPr lang="en-US" altLang="ko-KR" sz="1200" dirty="0"/>
+              <a:t>: </a:t>
+            </a:r>
+            <a:r>
+              <a:rPr lang="en-US" altLang="ko-KR" sz="1200" b="1" dirty="0"/>
+              <a:t>true</a:t>
+            </a:r>
+          </a:p>
+          <a:p>
+            <a:r>
+              <a:rPr lang="en-US" altLang="ko-KR" sz="1200" dirty="0" smtClean="0"/>
+              <a:t>   }).</a:t>
+            </a:r>
+            <a:r>
+              <a:rPr lang="en-US" altLang="ko-KR" sz="1200" dirty="0"/>
+              <a:t>then((result) =</a:t>
+            </a:r>
+            <a:r>
+              <a:rPr lang="en-US" altLang="ko-KR" sz="1200" u="sng" dirty="0"/>
+              <a:t>&gt; {</a:t>
+            </a:r>
+          </a:p>
+          <a:p>
+            <a:r>
+              <a:rPr lang="en-US" altLang="ko-KR" sz="1200" b="1" dirty="0" smtClean="0"/>
+              <a:t>      if </a:t>
+            </a:r>
+            <a:r>
+              <a:rPr lang="en-US" altLang="ko-KR" sz="1200" b="1" dirty="0"/>
+              <a:t>(</a:t>
+            </a:r>
+            <a:r>
+              <a:rPr lang="en-US" altLang="ko-KR" sz="1200" b="1" dirty="0" err="1"/>
+              <a:t>result.value</a:t>
+            </a:r>
+            <a:r>
+              <a:rPr lang="en-US" altLang="ko-KR" sz="1200" b="1" dirty="0"/>
+              <a:t>) {</a:t>
+            </a:r>
+          </a:p>
+          <a:p>
+            <a:r>
+              <a:rPr lang="en-US" altLang="ko-KR" sz="1200" dirty="0" smtClean="0"/>
+              <a:t>         $(</a:t>
+            </a:r>
+            <a:r>
+              <a:rPr lang="en-US" altLang="ko-KR" sz="1200" dirty="0"/>
+              <a:t>location).</a:t>
+            </a:r>
+            <a:r>
+              <a:rPr lang="en-US" altLang="ko-KR" sz="1200" dirty="0" err="1"/>
+              <a:t>attr</a:t>
+            </a:r>
+            <a:r>
+              <a:rPr lang="en-US" altLang="ko-KR" sz="1200" dirty="0"/>
+              <a:t>("</a:t>
+            </a:r>
+            <a:r>
+              <a:rPr lang="en-US" altLang="ko-KR" sz="1200" dirty="0" err="1"/>
+              <a:t>href</a:t>
+            </a:r>
+            <a:r>
+              <a:rPr lang="en-US" altLang="ko-KR" sz="1200" dirty="0" smtClean="0"/>
+              <a:t>","${</a:t>
+            </a:r>
+            <a:r>
+              <a:rPr lang="en-US" altLang="ko-KR" sz="1200" dirty="0"/>
+              <a:t>path</a:t>
+            </a:r>
+            <a:r>
+              <a:rPr lang="en-US" altLang="ko-KR" sz="1200" dirty="0" smtClean="0"/>
+              <a:t>}</a:t>
+            </a:r>
+          </a:p>
+          <a:p>
+            <a:r>
+              <a:rPr lang="en-US" altLang="ko-KR" sz="1200" dirty="0" smtClean="0"/>
+              <a:t>           /</a:t>
+            </a:r>
+            <a:r>
+              <a:rPr lang="en-US" altLang="ko-KR" sz="1200" dirty="0" err="1"/>
+              <a:t>PmsMember.do?method</a:t>
+            </a:r>
+            <a:r>
+              <a:rPr lang="en-US" altLang="ko-KR" sz="1200" dirty="0"/>
+              <a:t>=</a:t>
+            </a:r>
+            <a:r>
+              <a:rPr lang="en-US" altLang="ko-KR" sz="1200" dirty="0" err="1"/>
+              <a:t>logout&amp;mno</a:t>
+            </a:r>
+            <a:r>
+              <a:rPr lang="en-US" altLang="ko-KR" sz="1200" dirty="0" smtClean="0"/>
+              <a:t>=“</a:t>
+            </a:r>
+          </a:p>
+          <a:p>
+            <a:r>
+              <a:rPr lang="en-US" altLang="ko-KR" sz="1200" dirty="0"/>
+              <a:t> </a:t>
+            </a:r>
+            <a:r>
+              <a:rPr lang="en-US" altLang="ko-KR" sz="1200" dirty="0" smtClean="0"/>
+              <a:t>          +</a:t>
+            </a:r>
+            <a:r>
+              <a:rPr lang="en-US" altLang="ko-KR" sz="1200" u="sng" dirty="0" smtClean="0"/>
+              <a:t>${</a:t>
+            </a:r>
+            <a:r>
+              <a:rPr lang="en-US" altLang="ko-KR" sz="1200" u="sng" dirty="0" err="1"/>
+              <a:t>infor_M.mno</a:t>
+            </a:r>
+            <a:r>
+              <a:rPr lang="en-US" altLang="ko-KR" sz="1200" u="sng" dirty="0" smtClean="0"/>
+              <a:t>}); </a:t>
+            </a:r>
+          </a:p>
+          <a:p>
+            <a:r>
+              <a:rPr lang="en-US" altLang="ko-KR" sz="1200" dirty="0" smtClean="0"/>
+              <a:t>}   </a:t>
+            </a:r>
+            <a:r>
+              <a:rPr lang="en-US" altLang="ko-KR" sz="1200" u="sng" dirty="0" smtClean="0"/>
+              <a:t>});</a:t>
+            </a:r>
+            <a:endParaRPr lang="en-US" altLang="ko-KR" sz="1200" b="1" dirty="0"/>
+          </a:p>
+        </p:txBody>
+      </p:sp>
       <p:grpSp>
         <p:nvGrpSpPr>
           <p:cNvPr id="18" name="그룹 17"/>
@@ -19769,10 +20033,10 @@
         </p:nvGrpSpPr>
         <p:grpSpPr>
           <a:xfrm>
-            <a:off x="4572000" y="4074782"/>
-            <a:ext cx="2990851" cy="2173944"/>
-            <a:chOff x="4572000" y="3966946"/>
-            <a:chExt cx="2990851" cy="2173944"/>
+            <a:off x="6145425" y="4540669"/>
+            <a:ext cx="2471777" cy="1811163"/>
+            <a:chOff x="4572000" y="3949382"/>
+            <a:chExt cx="2990851" cy="2191508"/>
           </a:xfrm>
         </p:grpSpPr>
         <p:grpSp>
@@ -19859,8 +20123,8 @@
           </p:nvSpPr>
           <p:spPr>
             <a:xfrm>
-              <a:off x="5561530" y="3966946"/>
-              <a:ext cx="1011789" cy="369332"/>
+              <a:off x="5483309" y="3949382"/>
+              <a:ext cx="1168230" cy="446892"/>
             </a:xfrm>
             <a:prstGeom prst="rect">
               <a:avLst/>

--- a/WebContent/Jin/ppt/Jin 최종.pptx
+++ b/WebContent/Jin/ppt/Jin 최종.pptx
@@ -19288,20 +19288,7 @@
                 <a:latin typeface="타이포_스톰 B" panose="02020503020101020101" pitchFamily="18" charset="-127"/>
                 <a:ea typeface="타이포_스톰 B" panose="02020503020101020101" pitchFamily="18" charset="-127"/>
               </a:rPr>
-              <a:t>Sweet </a:t>
-            </a:r>
-            <a:r>
-              <a:rPr lang="en-US" altLang="ko-KR" sz="2000" dirty="0" smtClean="0">
-                <a:solidFill>
-                  <a:prstClr val="black">
-                    <a:lumMod val="75000"/>
-                    <a:lumOff val="25000"/>
-                  </a:prstClr>
-                </a:solidFill>
-                <a:latin typeface="타이포_스톰 B" panose="02020503020101020101" pitchFamily="18" charset="-127"/>
-                <a:ea typeface="타이포_스톰 B" panose="02020503020101020101" pitchFamily="18" charset="-127"/>
-              </a:rPr>
-              <a:t>Alert2</a:t>
+              <a:t>Sweet Alert2</a:t>
             </a:r>
             <a:endParaRPr lang="ko-KR" altLang="en-US" sz="2000" dirty="0">
               <a:solidFill>
@@ -19343,19 +19330,8 @@
                 <a:latin typeface="나눔스퀘어_ac Bold" panose="020B0600000101010101" pitchFamily="50" charset="-127"/>
                 <a:ea typeface="나눔스퀘어_ac Bold" panose="020B0600000101010101" pitchFamily="50" charset="-127"/>
               </a:rPr>
-              <a:t>Sweet </a:t>
-            </a:r>
-            <a:r>
-              <a:rPr lang="en-US" altLang="ko-KR" sz="2000" dirty="0" smtClean="0">
-                <a:latin typeface="나눔스퀘어_ac Bold" panose="020B0600000101010101" pitchFamily="50" charset="-127"/>
-                <a:ea typeface="나눔스퀘어_ac Bold" panose="020B0600000101010101" pitchFamily="50" charset="-127"/>
-              </a:rPr>
-              <a:t>Alert2</a:t>
-            </a:r>
-            <a:endParaRPr lang="en-US" altLang="ko-KR" sz="2000" dirty="0" smtClean="0">
-              <a:latin typeface="나눔스퀘어_ac Bold" panose="020B0600000101010101" pitchFamily="50" charset="-127"/>
-              <a:ea typeface="나눔스퀘어_ac Bold" panose="020B0600000101010101" pitchFamily="50" charset="-127"/>
-            </a:endParaRPr>
+              <a:t>Sweet Alert2</a:t>
+            </a:r>
           </a:p>
           <a:p>
             <a:pPr marL="0" lvl="1">
@@ -19822,11 +19798,6 @@
               </a:rPr>
               <a:t>&lt;Sweet Alert2 - Confirm&gt;</a:t>
             </a:r>
-            <a:endParaRPr lang="en-US" altLang="ko-KR" sz="1600" b="1" dirty="0" smtClean="0">
-              <a:solidFill>
-                <a:srgbClr val="FF0000"/>
-              </a:solidFill>
-            </a:endParaRPr>
           </a:p>
           <a:p>
             <a:r>
@@ -23321,8 +23292,8 @@
         </p:nvSpPr>
         <p:spPr>
           <a:xfrm>
-            <a:off x="4709069" y="987022"/>
-            <a:ext cx="3475473" cy="1600438"/>
+            <a:off x="4221679" y="913025"/>
+            <a:ext cx="4443948" cy="1815882"/>
           </a:xfrm>
           <a:prstGeom prst="rect">
             <a:avLst/>
@@ -23382,14 +23353,11 @@
             </a:r>
             <a:r>
               <a:rPr lang="ko-KR" altLang="en-US" sz="1400" dirty="0" smtClean="0"/>
-              <a:t>사원번호 입력</a:t>
-            </a:r>
-            <a:endParaRPr lang="en-US" altLang="ko-KR" sz="1400" dirty="0" smtClean="0"/>
-          </a:p>
-          <a:p>
+              <a:t>사원번호</a:t>
+            </a:r>
             <a:r>
               <a:rPr lang="en-US" altLang="ko-KR" sz="1400" dirty="0" smtClean="0"/>
-              <a:t>2. </a:t>
+              <a:t>/</a:t>
             </a:r>
             <a:r>
               <a:rPr lang="ko-KR" altLang="en-US" sz="1400" dirty="0" smtClean="0"/>
@@ -23399,8 +23367,12 @@
           </a:p>
           <a:p>
             <a:r>
+              <a:rPr lang="en-US" altLang="ko-KR" sz="1400" dirty="0"/>
+              <a:t>2</a:t>
+            </a:r>
+            <a:r>
               <a:rPr lang="en-US" altLang="ko-KR" sz="1400" dirty="0" smtClean="0"/>
-              <a:t>3. </a:t>
+              <a:t>. </a:t>
             </a:r>
             <a:r>
               <a:rPr lang="ko-KR" altLang="en-US" sz="1400" dirty="0" smtClean="0"/>
@@ -23421,8 +23393,12 @@
           </a:p>
           <a:p>
             <a:r>
+              <a:rPr lang="en-US" altLang="ko-KR" sz="1400" dirty="0"/>
+              <a:t>3</a:t>
+            </a:r>
+            <a:r>
               <a:rPr lang="en-US" altLang="ko-KR" sz="1400" dirty="0" smtClean="0"/>
-              <a:t>4. </a:t>
+              <a:t>. </a:t>
             </a:r>
             <a:r>
               <a:rPr lang="ko-KR" altLang="en-US" sz="1400" dirty="0" smtClean="0"/>
@@ -23463,12 +23439,86 @@
           </a:p>
           <a:p>
             <a:r>
+              <a:rPr lang="en-US" altLang="ko-KR" sz="1400" dirty="0"/>
+              <a:t>4</a:t>
+            </a:r>
+            <a:r>
               <a:rPr lang="en-US" altLang="ko-KR" sz="1400" dirty="0" smtClean="0"/>
-              <a:t>5. </a:t>
+              <a:t>. </a:t>
             </a:r>
             <a:r>
               <a:rPr lang="ko-KR" altLang="en-US" sz="1400" dirty="0" smtClean="0"/>
               <a:t>로그인</a:t>
+            </a:r>
+            <a:endParaRPr lang="en-US" altLang="ko-KR" sz="1400" dirty="0" smtClean="0"/>
+          </a:p>
+          <a:p>
+            <a:r>
+              <a:rPr lang="en-US" altLang="ko-KR" sz="1400" dirty="0"/>
+              <a:t> </a:t>
+            </a:r>
+            <a:r>
+              <a:rPr lang="en-US" altLang="ko-KR" sz="1400" dirty="0" smtClean="0"/>
+              <a:t>  - </a:t>
+            </a:r>
+            <a:r>
+              <a:rPr lang="ko-KR" altLang="en-US" sz="1400" dirty="0" smtClean="0"/>
+              <a:t>사원번호</a:t>
+            </a:r>
+            <a:r>
+              <a:rPr lang="en-US" altLang="ko-KR" sz="1400" dirty="0" smtClean="0"/>
+              <a:t>/</a:t>
+            </a:r>
+            <a:r>
+              <a:rPr lang="ko-KR" altLang="en-US" sz="1400" dirty="0" smtClean="0"/>
+              <a:t>비밀번호와 일치하는</a:t>
+            </a:r>
+            <a:r>
+              <a:rPr lang="en-US" altLang="ko-KR" sz="1400" dirty="0"/>
+              <a:t> </a:t>
+            </a:r>
+            <a:r>
+              <a:rPr lang="ko-KR" altLang="en-US" sz="1400" dirty="0" smtClean="0"/>
+              <a:t>정보 검색</a:t>
+            </a:r>
+            <a:endParaRPr lang="en-US" altLang="ko-KR" sz="1400" dirty="0" smtClean="0"/>
+          </a:p>
+          <a:p>
+            <a:r>
+              <a:rPr lang="en-US" altLang="ko-KR" sz="1400" dirty="0" smtClean="0"/>
+              <a:t>     - </a:t>
+            </a:r>
+            <a:r>
+              <a:rPr lang="ko-KR" altLang="en-US" sz="1400" dirty="0" smtClean="0"/>
+              <a:t>일치 </a:t>
+            </a:r>
+            <a:r>
+              <a:rPr lang="en-US" altLang="ko-KR" sz="1400" dirty="0" smtClean="0"/>
+              <a:t>: PMS </a:t>
+            </a:r>
+            <a:r>
+              <a:rPr lang="ko-KR" altLang="en-US" sz="1400" dirty="0" smtClean="0"/>
+              <a:t>이동</a:t>
+            </a:r>
+            <a:r>
+              <a:rPr lang="en-US" altLang="ko-KR" sz="1400" dirty="0" smtClean="0"/>
+              <a:t>, </a:t>
+            </a:r>
+            <a:r>
+              <a:rPr lang="ko-KR" altLang="en-US" sz="1400" dirty="0" smtClean="0"/>
+              <a:t>불일치 </a:t>
+            </a:r>
+            <a:r>
+              <a:rPr lang="en-US" altLang="ko-KR" sz="1400" dirty="0" smtClean="0"/>
+              <a:t>: </a:t>
+            </a:r>
+            <a:r>
+              <a:rPr lang="ko-KR" altLang="en-US" sz="1400" dirty="0" smtClean="0"/>
+              <a:t>로그인 실패 </a:t>
+            </a:r>
+            <a:r>
+              <a:rPr lang="en-US" altLang="ko-KR" sz="1400" dirty="0" smtClean="0"/>
+              <a:t>Alert</a:t>
             </a:r>
             <a:endParaRPr lang="en-US" altLang="ko-KR" sz="1400" dirty="0" smtClean="0"/>
           </a:p>
